--- a/tcc/TCC JOAO ANTONIO CARDOSO.pptx
+++ b/tcc/TCC JOAO ANTONIO CARDOSO.pptx
@@ -17,7 +17,10 @@
     <p:sldId id="268" r:id="rId14"/>
     <p:sldId id="269" r:id="rId15"/>
     <p:sldId id="270" r:id="rId16"/>
-    <p:sldId id="261" r:id="rId17"/>
+    <p:sldId id="271" r:id="rId17"/>
+    <p:sldId id="272" r:id="rId18"/>
+    <p:sldId id="273" r:id="rId19"/>
+    <p:sldId id="261" r:id="rId20"/>
   </p:sldIdLst>
   <p:sldSz cx="12192000" cy="6858000"/>
   <p:notesSz cx="6858000" cy="9144000"/>
@@ -2176,6 +2179,426 @@
           <a:chExt cx="0" cy="0"/>
         </a:xfrm>
       </p:grpSpPr>
+      <p:sp>
+        <p:nvSpPr>
+          <p:cNvPr id="2" name="Título 1">
+            <a:extLst>
+              <a:ext uri="{FF2B5EF4-FFF2-40B4-BE49-F238E27FC236}">
+                <a16:creationId xmlns:a16="http://schemas.microsoft.com/office/drawing/2014/main" id="{B864CB12-0382-9243-FC5B-CE0E0C601024}"/>
+              </a:ext>
+            </a:extLst>
+          </p:cNvPr>
+          <p:cNvSpPr txBox="1">
+            <a:spLocks/>
+          </p:cNvSpPr>
+          <p:nvPr/>
+        </p:nvSpPr>
+        <p:spPr>
+          <a:xfrm>
+            <a:off x="933450" y="438149"/>
+            <a:ext cx="8143875" cy="723901"/>
+          </a:xfrm>
+          <a:prstGeom prst="rect">
+            <a:avLst/>
+          </a:prstGeom>
+        </p:spPr>
+        <p:txBody>
+          <a:bodyPr vert="horz" lIns="91440" tIns="45720" rIns="91440" bIns="45720" rtlCol="0" anchor="t">
+            <a:normAutofit/>
+          </a:bodyPr>
+          <a:lstStyle>
+            <a:lvl1pPr algn="ctr" defTabSz="914400" rtl="0" eaLnBrk="1" latinLnBrk="0" hangingPunct="1">
+              <a:lnSpc>
+                <a:spcPct val="90000"/>
+              </a:lnSpc>
+              <a:spcBef>
+                <a:spcPct val="0"/>
+              </a:spcBef>
+              <a:buNone/>
+              <a:defRPr sz="6000" kern="1200">
+                <a:solidFill>
+                  <a:schemeClr val="tx1"/>
+                </a:solidFill>
+                <a:latin typeface="+mj-lt"/>
+                <a:ea typeface="+mj-ea"/>
+                <a:cs typeface="+mj-cs"/>
+              </a:defRPr>
+            </a:lvl1pPr>
+          </a:lstStyle>
+          <a:p>
+            <a:pPr algn="l"/>
+            <a:r>
+              <a:rPr lang="pt-BR" sz="4400" b="1" dirty="0">
+                <a:solidFill>
+                  <a:schemeClr val="bg1"/>
+                </a:solidFill>
+                <a:latin typeface="+mn-lt"/>
+              </a:rPr>
+              <a:t>Aplicação</a:t>
+            </a:r>
+          </a:p>
+        </p:txBody>
+      </p:sp>
+      <p:pic>
+        <p:nvPicPr>
+          <p:cNvPr id="4" name="Imagem 3">
+            <a:extLst>
+              <a:ext uri="{FF2B5EF4-FFF2-40B4-BE49-F238E27FC236}">
+                <a16:creationId xmlns:a16="http://schemas.microsoft.com/office/drawing/2014/main" id="{0663E6ED-4ADE-62FD-6B50-16D84CB245ED}"/>
+              </a:ext>
+            </a:extLst>
+          </p:cNvPr>
+          <p:cNvPicPr>
+            <a:picLocks noChangeAspect="1"/>
+          </p:cNvPicPr>
+          <p:nvPr/>
+        </p:nvPicPr>
+        <p:blipFill>
+          <a:blip r:embed="rId3">
+            <a:extLst>
+              <a:ext uri="{28A0092B-C50C-407E-A947-70E740481C1C}">
+                <a14:useLocalDpi xmlns:a14="http://schemas.microsoft.com/office/drawing/2010/main" val="0"/>
+              </a:ext>
+            </a:extLst>
+          </a:blip>
+          <a:stretch>
+            <a:fillRect/>
+          </a:stretch>
+        </p:blipFill>
+        <p:spPr>
+          <a:xfrm>
+            <a:off x="1649008" y="1377743"/>
+            <a:ext cx="8893983" cy="4796553"/>
+          </a:xfrm>
+          <a:prstGeom prst="rect">
+            <a:avLst/>
+          </a:prstGeom>
+        </p:spPr>
+      </p:pic>
+    </p:spTree>
+    <p:extLst>
+      <p:ext uri="{BB962C8B-B14F-4D97-AF65-F5344CB8AC3E}">
+        <p14:creationId xmlns:p14="http://schemas.microsoft.com/office/powerpoint/2010/main" val="2987375007"/>
+      </p:ext>
+    </p:extLst>
+  </p:cSld>
+  <p:clrMapOvr>
+    <a:masterClrMapping/>
+  </p:clrMapOvr>
+</p:sld>
+</file>
+
+<file path=ppt/slides/slide14.xml><?xml version="1.0" encoding="utf-8"?>
+<p:sld xmlns:a="http://schemas.openxmlformats.org/drawingml/2006/main" xmlns:r="http://schemas.openxmlformats.org/officeDocument/2006/relationships" xmlns:p="http://schemas.openxmlformats.org/presentationml/2006/main">
+  <p:cSld>
+    <p:bg>
+      <p:bgPr>
+        <a:blipFill dpi="0" rotWithShape="1">
+          <a:blip r:embed="rId2">
+            <a:lum/>
+          </a:blip>
+          <a:srcRect/>
+          <a:stretch>
+            <a:fillRect/>
+          </a:stretch>
+        </a:blipFill>
+        <a:effectLst/>
+      </p:bgPr>
+    </p:bg>
+    <p:spTree>
+      <p:nvGrpSpPr>
+        <p:cNvPr id="1" name=""/>
+        <p:cNvGrpSpPr/>
+        <p:nvPr/>
+      </p:nvGrpSpPr>
+      <p:grpSpPr>
+        <a:xfrm>
+          <a:off x="0" y="0"/>
+          <a:ext cx="0" cy="0"/>
+          <a:chOff x="0" y="0"/>
+          <a:chExt cx="0" cy="0"/>
+        </a:xfrm>
+      </p:grpSpPr>
+      <p:sp>
+        <p:nvSpPr>
+          <p:cNvPr id="2" name="Título 1">
+            <a:extLst>
+              <a:ext uri="{FF2B5EF4-FFF2-40B4-BE49-F238E27FC236}">
+                <a16:creationId xmlns:a16="http://schemas.microsoft.com/office/drawing/2014/main" id="{B864CB12-0382-9243-FC5B-CE0E0C601024}"/>
+              </a:ext>
+            </a:extLst>
+          </p:cNvPr>
+          <p:cNvSpPr txBox="1">
+            <a:spLocks/>
+          </p:cNvSpPr>
+          <p:nvPr/>
+        </p:nvSpPr>
+        <p:spPr>
+          <a:xfrm>
+            <a:off x="933450" y="438149"/>
+            <a:ext cx="8143875" cy="723901"/>
+          </a:xfrm>
+          <a:prstGeom prst="rect">
+            <a:avLst/>
+          </a:prstGeom>
+        </p:spPr>
+        <p:txBody>
+          <a:bodyPr vert="horz" lIns="91440" tIns="45720" rIns="91440" bIns="45720" rtlCol="0" anchor="t">
+            <a:normAutofit/>
+          </a:bodyPr>
+          <a:lstStyle>
+            <a:lvl1pPr algn="ctr" defTabSz="914400" rtl="0" eaLnBrk="1" latinLnBrk="0" hangingPunct="1">
+              <a:lnSpc>
+                <a:spcPct val="90000"/>
+              </a:lnSpc>
+              <a:spcBef>
+                <a:spcPct val="0"/>
+              </a:spcBef>
+              <a:buNone/>
+              <a:defRPr sz="6000" kern="1200">
+                <a:solidFill>
+                  <a:schemeClr val="tx1"/>
+                </a:solidFill>
+                <a:latin typeface="+mj-lt"/>
+                <a:ea typeface="+mj-ea"/>
+                <a:cs typeface="+mj-cs"/>
+              </a:defRPr>
+            </a:lvl1pPr>
+          </a:lstStyle>
+          <a:p>
+            <a:pPr algn="l"/>
+            <a:r>
+              <a:rPr lang="pt-BR" sz="4400" b="1" dirty="0">
+                <a:solidFill>
+                  <a:schemeClr val="bg1"/>
+                </a:solidFill>
+                <a:latin typeface="+mn-lt"/>
+              </a:rPr>
+              <a:t>Aplicação</a:t>
+            </a:r>
+          </a:p>
+        </p:txBody>
+      </p:sp>
+      <p:pic>
+        <p:nvPicPr>
+          <p:cNvPr id="3" name="Imagem 2">
+            <a:extLst>
+              <a:ext uri="{FF2B5EF4-FFF2-40B4-BE49-F238E27FC236}">
+                <a16:creationId xmlns:a16="http://schemas.microsoft.com/office/drawing/2014/main" id="{A7FF444A-E08B-7C6C-AE4D-4240FE1D060D}"/>
+              </a:ext>
+            </a:extLst>
+          </p:cNvPr>
+          <p:cNvPicPr>
+            <a:picLocks noChangeAspect="1"/>
+          </p:cNvPicPr>
+          <p:nvPr/>
+        </p:nvPicPr>
+        <p:blipFill>
+          <a:blip r:embed="rId3">
+            <a:extLst>
+              <a:ext uri="{28A0092B-C50C-407E-A947-70E740481C1C}">
+                <a14:useLocalDpi xmlns:a14="http://schemas.microsoft.com/office/drawing/2010/main" val="0"/>
+              </a:ext>
+            </a:extLst>
+          </a:blip>
+          <a:stretch>
+            <a:fillRect/>
+          </a:stretch>
+        </p:blipFill>
+        <p:spPr>
+          <a:xfrm>
+            <a:off x="2519566" y="1331402"/>
+            <a:ext cx="7152867" cy="9716854"/>
+          </a:xfrm>
+          <a:prstGeom prst="rect">
+            <a:avLst/>
+          </a:prstGeom>
+        </p:spPr>
+      </p:pic>
+    </p:spTree>
+    <p:extLst>
+      <p:ext uri="{BB962C8B-B14F-4D97-AF65-F5344CB8AC3E}">
+        <p14:creationId xmlns:p14="http://schemas.microsoft.com/office/powerpoint/2010/main" val="2545282670"/>
+      </p:ext>
+    </p:extLst>
+  </p:cSld>
+  <p:clrMapOvr>
+    <a:masterClrMapping/>
+  </p:clrMapOvr>
+</p:sld>
+</file>
+
+<file path=ppt/slides/slide15.xml><?xml version="1.0" encoding="utf-8"?>
+<p:sld xmlns:a="http://schemas.openxmlformats.org/drawingml/2006/main" xmlns:r="http://schemas.openxmlformats.org/officeDocument/2006/relationships" xmlns:p="http://schemas.openxmlformats.org/presentationml/2006/main">
+  <p:cSld>
+    <p:bg>
+      <p:bgPr>
+        <a:blipFill dpi="0" rotWithShape="1">
+          <a:blip r:embed="rId2">
+            <a:lum/>
+          </a:blip>
+          <a:srcRect/>
+          <a:stretch>
+            <a:fillRect/>
+          </a:stretch>
+        </a:blipFill>
+        <a:effectLst/>
+      </p:bgPr>
+    </p:bg>
+    <p:spTree>
+      <p:nvGrpSpPr>
+        <p:cNvPr id="1" name=""/>
+        <p:cNvGrpSpPr/>
+        <p:nvPr/>
+      </p:nvGrpSpPr>
+      <p:grpSpPr>
+        <a:xfrm>
+          <a:off x="0" y="0"/>
+          <a:ext cx="0" cy="0"/>
+          <a:chOff x="0" y="0"/>
+          <a:chExt cx="0" cy="0"/>
+        </a:xfrm>
+      </p:grpSpPr>
+      <p:sp>
+        <p:nvSpPr>
+          <p:cNvPr id="2" name="Título 1">
+            <a:extLst>
+              <a:ext uri="{FF2B5EF4-FFF2-40B4-BE49-F238E27FC236}">
+                <a16:creationId xmlns:a16="http://schemas.microsoft.com/office/drawing/2014/main" id="{B864CB12-0382-9243-FC5B-CE0E0C601024}"/>
+              </a:ext>
+            </a:extLst>
+          </p:cNvPr>
+          <p:cNvSpPr txBox="1">
+            <a:spLocks/>
+          </p:cNvSpPr>
+          <p:nvPr/>
+        </p:nvSpPr>
+        <p:spPr>
+          <a:xfrm>
+            <a:off x="933450" y="438149"/>
+            <a:ext cx="8143875" cy="723901"/>
+          </a:xfrm>
+          <a:prstGeom prst="rect">
+            <a:avLst/>
+          </a:prstGeom>
+        </p:spPr>
+        <p:txBody>
+          <a:bodyPr vert="horz" lIns="91440" tIns="45720" rIns="91440" bIns="45720" rtlCol="0" anchor="t">
+            <a:normAutofit/>
+          </a:bodyPr>
+          <a:lstStyle>
+            <a:lvl1pPr algn="ctr" defTabSz="914400" rtl="0" eaLnBrk="1" latinLnBrk="0" hangingPunct="1">
+              <a:lnSpc>
+                <a:spcPct val="90000"/>
+              </a:lnSpc>
+              <a:spcBef>
+                <a:spcPct val="0"/>
+              </a:spcBef>
+              <a:buNone/>
+              <a:defRPr sz="6000" kern="1200">
+                <a:solidFill>
+                  <a:schemeClr val="tx1"/>
+                </a:solidFill>
+                <a:latin typeface="+mj-lt"/>
+                <a:ea typeface="+mj-ea"/>
+                <a:cs typeface="+mj-cs"/>
+              </a:defRPr>
+            </a:lvl1pPr>
+          </a:lstStyle>
+          <a:p>
+            <a:pPr algn="l"/>
+            <a:r>
+              <a:rPr lang="pt-BR" sz="4400" b="1" dirty="0">
+                <a:solidFill>
+                  <a:schemeClr val="bg1"/>
+                </a:solidFill>
+                <a:latin typeface="+mn-lt"/>
+              </a:rPr>
+              <a:t>Aplicação</a:t>
+            </a:r>
+          </a:p>
+        </p:txBody>
+      </p:sp>
+      <p:pic>
+        <p:nvPicPr>
+          <p:cNvPr id="4" name="Imagem 3">
+            <a:extLst>
+              <a:ext uri="{FF2B5EF4-FFF2-40B4-BE49-F238E27FC236}">
+                <a16:creationId xmlns:a16="http://schemas.microsoft.com/office/drawing/2014/main" id="{91B17D52-EB41-FC54-0993-D60A567E23C7}"/>
+              </a:ext>
+            </a:extLst>
+          </p:cNvPr>
+          <p:cNvPicPr>
+            <a:picLocks noChangeAspect="1"/>
+          </p:cNvPicPr>
+          <p:nvPr/>
+        </p:nvPicPr>
+        <p:blipFill>
+          <a:blip r:embed="rId3">
+            <a:extLst>
+              <a:ext uri="{28A0092B-C50C-407E-A947-70E740481C1C}">
+                <a14:useLocalDpi xmlns:a14="http://schemas.microsoft.com/office/drawing/2010/main" val="0"/>
+              </a:ext>
+            </a:extLst>
+          </a:blip>
+          <a:stretch>
+            <a:fillRect/>
+          </a:stretch>
+        </p:blipFill>
+        <p:spPr>
+          <a:xfrm>
+            <a:off x="2909511" y="1395700"/>
+            <a:ext cx="6372977" cy="4758658"/>
+          </a:xfrm>
+          <a:prstGeom prst="rect">
+            <a:avLst/>
+          </a:prstGeom>
+        </p:spPr>
+      </p:pic>
+    </p:spTree>
+    <p:extLst>
+      <p:ext uri="{BB962C8B-B14F-4D97-AF65-F5344CB8AC3E}">
+        <p14:creationId xmlns:p14="http://schemas.microsoft.com/office/powerpoint/2010/main" val="2954123745"/>
+      </p:ext>
+    </p:extLst>
+  </p:cSld>
+  <p:clrMapOvr>
+    <a:masterClrMapping/>
+  </p:clrMapOvr>
+</p:sld>
+</file>
+
+<file path=ppt/slides/slide16.xml><?xml version="1.0" encoding="utf-8"?>
+<p:sld xmlns:a="http://schemas.openxmlformats.org/drawingml/2006/main" xmlns:r="http://schemas.openxmlformats.org/officeDocument/2006/relationships" xmlns:p="http://schemas.openxmlformats.org/presentationml/2006/main">
+  <p:cSld>
+    <p:bg>
+      <p:bgPr>
+        <a:blipFill dpi="0" rotWithShape="1">
+          <a:blip r:embed="rId2">
+            <a:lum/>
+          </a:blip>
+          <a:srcRect/>
+          <a:stretch>
+            <a:fillRect/>
+          </a:stretch>
+        </a:blipFill>
+        <a:effectLst/>
+      </p:bgPr>
+    </p:bg>
+    <p:spTree>
+      <p:nvGrpSpPr>
+        <p:cNvPr id="1" name=""/>
+        <p:cNvGrpSpPr/>
+        <p:nvPr/>
+      </p:nvGrpSpPr>
+      <p:grpSpPr>
+        <a:xfrm>
+          <a:off x="0" y="0"/>
+          <a:ext cx="0" cy="0"/>
+          <a:chOff x="0" y="0"/>
+          <a:chExt cx="0" cy="0"/>
+        </a:xfrm>
+      </p:grpSpPr>
     </p:spTree>
     <p:extLst>
       <p:ext uri="{BB962C8B-B14F-4D97-AF65-F5344CB8AC3E}">
@@ -4162,6 +4585,15 @@
 </file>
 
 <file path=customXml/item1.xml><?xml version="1.0" encoding="utf-8"?>
+<?mso-contentType ?>
+<FormTemplates xmlns="http://schemas.microsoft.com/sharepoint/v3/contenttype/forms">
+  <Display>DocumentLibraryForm</Display>
+  <Edit>DocumentLibraryForm</Edit>
+  <New>DocumentLibraryForm</New>
+</FormTemplates>
+</file>
+
+<file path=customXml/item2.xml><?xml version="1.0" encoding="utf-8"?>
 <ct:contentTypeSchema xmlns:ct="http://schemas.microsoft.com/office/2006/metadata/contentType" xmlns:ma="http://schemas.microsoft.com/office/2006/metadata/properties/metaAttributes" ct:_="" ma:_="" ma:contentTypeName="Documento" ma:contentTypeID="0x0101003014CAD5C0D95047AD87A6CEF9A0ED6F" ma:contentTypeVersion="11" ma:contentTypeDescription="Crie um novo documento." ma:contentTypeScope="" ma:versionID="0eaeb304f0019e33f865282dd94b7faa">
   <xsd:schema xmlns:xsd="http://www.w3.org/2001/XMLSchema" xmlns:xs="http://www.w3.org/2001/XMLSchema" xmlns:p="http://schemas.microsoft.com/office/2006/metadata/properties" xmlns:ns2="230e2427-5d80-4bd2-a9ba-53805cfde8a4" xmlns:ns3="cf5f2b4c-ceff-48b8-acfd-b6c7cb4e26ae" targetNamespace="http://schemas.microsoft.com/office/2006/metadata/properties" ma:root="true" ma:fieldsID="9583cfaf6218e9ef312e531a09f9933a" ns2:_="" ns3:_="">
     <xsd:import namespace="230e2427-5d80-4bd2-a9ba-53805cfde8a4"/>
@@ -4372,15 +4804,6 @@
 </ct:contentTypeSchema>
 </file>
 
-<file path=customXml/item2.xml><?xml version="1.0" encoding="utf-8"?>
-<?mso-contentType ?>
-<FormTemplates xmlns="http://schemas.microsoft.com/sharepoint/v3/contenttype/forms">
-  <Display>DocumentLibraryForm</Display>
-  <Edit>DocumentLibraryForm</Edit>
-  <New>DocumentLibraryForm</New>
-</FormTemplates>
-</file>
-
 <file path=customXml/item3.xml><?xml version="1.0" encoding="utf-8"?>
 <p:properties xmlns:p="http://schemas.microsoft.com/office/2006/metadata/properties" xmlns:xsi="http://www.w3.org/2001/XMLSchema-instance" xmlns:pc="http://schemas.microsoft.com/office/infopath/2007/PartnerControls">
   <documentManagement>
@@ -4400,6 +4823,14 @@
 </file>
 
 <file path=customXml/itemProps1.xml><?xml version="1.0" encoding="utf-8"?>
+<ds:datastoreItem xmlns:ds="http://schemas.openxmlformats.org/officeDocument/2006/customXml" ds:itemID="{57A5EA9B-15BB-4CAA-98B9-C7F416F6E3B3}">
+  <ds:schemaRefs>
+    <ds:schemaRef ds:uri="http://schemas.microsoft.com/sharepoint/v3/contenttype/forms"/>
+  </ds:schemaRefs>
+</ds:datastoreItem>
+</file>
+
+<file path=customXml/itemProps2.xml><?xml version="1.0" encoding="utf-8"?>
 <ds:datastoreItem xmlns:ds="http://schemas.openxmlformats.org/officeDocument/2006/customXml" ds:itemID="{73CF8D65-9C36-4371-8D2C-2F46D400B6AD}">
   <ds:schemaRefs>
     <ds:schemaRef ds:uri="http://schemas.microsoft.com/office/2006/metadata/contentType"/>
@@ -4418,14 +4849,6 @@
 </ds:datastoreItem>
 </file>
 
-<file path=customXml/itemProps2.xml><?xml version="1.0" encoding="utf-8"?>
-<ds:datastoreItem xmlns:ds="http://schemas.openxmlformats.org/officeDocument/2006/customXml" ds:itemID="{57A5EA9B-15BB-4CAA-98B9-C7F416F6E3B3}">
-  <ds:schemaRefs>
-    <ds:schemaRef ds:uri="http://schemas.microsoft.com/sharepoint/v3/contenttype/forms"/>
-  </ds:schemaRefs>
-</ds:datastoreItem>
-</file>
-
 <file path=customXml/itemProps3.xml><?xml version="1.0" encoding="utf-8"?>
 <ds:datastoreItem xmlns:ds="http://schemas.openxmlformats.org/officeDocument/2006/customXml" ds:itemID="{A7FC28C7-707F-43CD-B131-6A1D51253A0A}">
   <ds:schemaRefs>

--- a/tcc/TCC JOAO ANTONIO CARDOSO.pptx
+++ b/tcc/TCC JOAO ANTONIO CARDOSO.pptx
@@ -20,7 +20,8 @@
     <p:sldId id="271" r:id="rId17"/>
     <p:sldId id="272" r:id="rId18"/>
     <p:sldId id="273" r:id="rId19"/>
-    <p:sldId id="261" r:id="rId20"/>
+    <p:sldId id="274" r:id="rId20"/>
+    <p:sldId id="261" r:id="rId21"/>
   </p:sldIdLst>
   <p:sldSz cx="12192000" cy="6858000"/>
   <p:notesSz cx="6858000" cy="9144000"/>
@@ -2052,7 +2053,7 @@
           <a:p>
             <a:pPr algn="ctr"/>
             <a:r>
-              <a:rPr lang="pt-BR" sz="9600" i="1" dirty="0" err="1">
+              <a:rPr lang="pt-BR" sz="9600" i="1" dirty="0">
                 <a:solidFill>
                   <a:schemeClr val="tx1">
                     <a:lumMod val="75000"/>
@@ -2063,15 +2064,6 @@
               </a:rPr>
               <a:t>Fastock</a:t>
             </a:r>
-            <a:endParaRPr lang="pt-BR" sz="9600" i="1" dirty="0">
-              <a:solidFill>
-                <a:schemeClr val="tx1">
-                  <a:lumMod val="75000"/>
-                  <a:lumOff val="25000"/>
-                </a:schemeClr>
-              </a:solidFill>
-              <a:latin typeface="Impact" panose="020B0806030902050204" pitchFamily="34" charset="0"/>
-            </a:endParaRPr>
           </a:p>
         </p:txBody>
       </p:sp>
@@ -2569,6 +2561,196 @@
 </file>
 
 <file path=ppt/slides/slide16.xml><?xml version="1.0" encoding="utf-8"?>
+<p:sld xmlns:a="http://schemas.openxmlformats.org/drawingml/2006/main" xmlns:r="http://schemas.openxmlformats.org/officeDocument/2006/relationships" xmlns:p="http://schemas.openxmlformats.org/presentationml/2006/main">
+  <p:cSld>
+    <p:bg>
+      <p:bgPr>
+        <a:blipFill dpi="0" rotWithShape="1">
+          <a:blip r:embed="rId2">
+            <a:lum/>
+          </a:blip>
+          <a:srcRect/>
+          <a:stretch>
+            <a:fillRect/>
+          </a:stretch>
+        </a:blipFill>
+        <a:effectLst/>
+      </p:bgPr>
+    </p:bg>
+    <p:spTree>
+      <p:nvGrpSpPr>
+        <p:cNvPr id="1" name=""/>
+        <p:cNvGrpSpPr/>
+        <p:nvPr/>
+      </p:nvGrpSpPr>
+      <p:grpSpPr>
+        <a:xfrm>
+          <a:off x="0" y="0"/>
+          <a:ext cx="0" cy="0"/>
+          <a:chOff x="0" y="0"/>
+          <a:chExt cx="0" cy="0"/>
+        </a:xfrm>
+      </p:grpSpPr>
+      <p:sp>
+        <p:nvSpPr>
+          <p:cNvPr id="3" name="CaixaDeTexto 2"/>
+          <p:cNvSpPr txBox="1"/>
+          <p:nvPr/>
+        </p:nvSpPr>
+        <p:spPr>
+          <a:xfrm>
+            <a:off x="3598147" y="2644169"/>
+            <a:ext cx="6841253" cy="1569660"/>
+          </a:xfrm>
+          <a:prstGeom prst="rect">
+            <a:avLst/>
+          </a:prstGeom>
+          <a:noFill/>
+        </p:spPr>
+        <p:txBody>
+          <a:bodyPr wrap="square" rtlCol="0">
+            <a:spAutoFit/>
+          </a:bodyPr>
+          <a:lstStyle/>
+          <a:p>
+            <a:pPr algn="ctr"/>
+            <a:r>
+              <a:rPr lang="pt-BR" sz="9600" i="1" dirty="0">
+                <a:solidFill>
+                  <a:schemeClr val="tx1">
+                    <a:lumMod val="75000"/>
+                    <a:lumOff val="25000"/>
+                  </a:schemeClr>
+                </a:solidFill>
+                <a:latin typeface="Impact" panose="020B0806030902050204" pitchFamily="34" charset="0"/>
+              </a:rPr>
+              <a:t>Fastock</a:t>
+            </a:r>
+          </a:p>
+        </p:txBody>
+      </p:sp>
+      <p:sp>
+        <p:nvSpPr>
+          <p:cNvPr id="2" name="Título 1">
+            <a:extLst>
+              <a:ext uri="{FF2B5EF4-FFF2-40B4-BE49-F238E27FC236}">
+                <a16:creationId xmlns:a16="http://schemas.microsoft.com/office/drawing/2014/main" id="{B864CB12-0382-9243-FC5B-CE0E0C601024}"/>
+              </a:ext>
+            </a:extLst>
+          </p:cNvPr>
+          <p:cNvSpPr txBox="1">
+            <a:spLocks/>
+          </p:cNvSpPr>
+          <p:nvPr/>
+        </p:nvSpPr>
+        <p:spPr>
+          <a:xfrm>
+            <a:off x="933450" y="438149"/>
+            <a:ext cx="8143875" cy="723901"/>
+          </a:xfrm>
+          <a:prstGeom prst="rect">
+            <a:avLst/>
+          </a:prstGeom>
+        </p:spPr>
+        <p:txBody>
+          <a:bodyPr vert="horz" lIns="91440" tIns="45720" rIns="91440" bIns="45720" rtlCol="0" anchor="t">
+            <a:normAutofit/>
+          </a:bodyPr>
+          <a:lstStyle>
+            <a:lvl1pPr algn="ctr" defTabSz="914400" rtl="0" eaLnBrk="1" latinLnBrk="0" hangingPunct="1">
+              <a:lnSpc>
+                <a:spcPct val="90000"/>
+              </a:lnSpc>
+              <a:spcBef>
+                <a:spcPct val="0"/>
+              </a:spcBef>
+              <a:buNone/>
+              <a:defRPr sz="6000" kern="1200">
+                <a:solidFill>
+                  <a:schemeClr val="tx1"/>
+                </a:solidFill>
+                <a:latin typeface="+mj-lt"/>
+                <a:ea typeface="+mj-ea"/>
+                <a:cs typeface="+mj-cs"/>
+              </a:defRPr>
+            </a:lvl1pPr>
+          </a:lstStyle>
+          <a:p>
+            <a:pPr algn="l"/>
+            <a:r>
+              <a:rPr lang="pt-BR" sz="4400" b="1" dirty="0">
+                <a:solidFill>
+                  <a:schemeClr val="bg1"/>
+                </a:solidFill>
+                <a:latin typeface="+mn-lt"/>
+              </a:rPr>
+              <a:t>Aplicação</a:t>
+            </a:r>
+          </a:p>
+        </p:txBody>
+      </p:sp>
+      <p:pic>
+        <p:nvPicPr>
+          <p:cNvPr id="1026" name="Picture 2" descr="Designs Gráficos para Camisetas e Merch de internet">
+            <a:hlinkClick r:id="rId3"/>
+            <a:extLst>
+              <a:ext uri="{FF2B5EF4-FFF2-40B4-BE49-F238E27FC236}">
+                <a16:creationId xmlns:a16="http://schemas.microsoft.com/office/drawing/2014/main" id="{91A84D48-C14F-BFFF-1B58-57F4F8CDD441}"/>
+              </a:ext>
+            </a:extLst>
+          </p:cNvPr>
+          <p:cNvPicPr>
+            <a:picLocks noChangeAspect="1" noChangeArrowheads="1"/>
+          </p:cNvPicPr>
+          <p:nvPr/>
+        </p:nvPicPr>
+        <p:blipFill>
+          <a:blip r:embed="rId4" cstate="print">
+            <a:extLst>
+              <a:ext uri="{28A0092B-C50C-407E-A947-70E740481C1C}">
+                <a14:useLocalDpi xmlns:a14="http://schemas.microsoft.com/office/drawing/2010/main" val="0"/>
+              </a:ext>
+            </a:extLst>
+          </a:blip>
+          <a:srcRect/>
+          <a:stretch>
+            <a:fillRect/>
+          </a:stretch>
+        </p:blipFill>
+        <p:spPr bwMode="auto">
+          <a:xfrm>
+            <a:off x="2593259" y="2424111"/>
+            <a:ext cx="2009775" cy="2009775"/>
+          </a:xfrm>
+          <a:prstGeom prst="rect">
+            <a:avLst/>
+          </a:prstGeom>
+          <a:noFill/>
+          <a:extLst>
+            <a:ext uri="{909E8E84-426E-40DD-AFC4-6F175D3DCCD1}">
+              <a14:hiddenFill xmlns:a14="http://schemas.microsoft.com/office/drawing/2010/main">
+                <a:solidFill>
+                  <a:srgbClr val="FFFFFF"/>
+                </a:solidFill>
+              </a14:hiddenFill>
+            </a:ext>
+          </a:extLst>
+        </p:spPr>
+      </p:pic>
+    </p:spTree>
+    <p:extLst>
+      <p:ext uri="{BB962C8B-B14F-4D97-AF65-F5344CB8AC3E}">
+        <p14:creationId xmlns:p14="http://schemas.microsoft.com/office/powerpoint/2010/main" val="1818501990"/>
+      </p:ext>
+    </p:extLst>
+  </p:cSld>
+  <p:clrMapOvr>
+    <a:masterClrMapping/>
+  </p:clrMapOvr>
+</p:sld>
+</file>
+
+<file path=ppt/slides/slide17.xml><?xml version="1.0" encoding="utf-8"?>
 <p:sld xmlns:a="http://schemas.openxmlformats.org/drawingml/2006/main" xmlns:r="http://schemas.openxmlformats.org/officeDocument/2006/relationships" xmlns:p="http://schemas.openxmlformats.org/presentationml/2006/main">
   <p:cSld>
     <p:bg>
@@ -3371,7 +3553,7 @@
           <a:p>
             <a:pPr algn="ctr"/>
             <a:r>
-              <a:rPr lang="pt-BR" sz="11200" i="1" dirty="0" err="1">
+              <a:rPr lang="pt-BR" sz="11200" i="1" dirty="0">
                 <a:solidFill>
                   <a:schemeClr val="tx1">
                     <a:lumMod val="75000"/>
@@ -3382,15 +3564,6 @@
               </a:rPr>
               <a:t>Fastock</a:t>
             </a:r>
-            <a:endParaRPr lang="pt-BR" sz="11200" i="1" dirty="0">
-              <a:solidFill>
-                <a:schemeClr val="tx1">
-                  <a:lumMod val="75000"/>
-                  <a:lumOff val="25000"/>
-                </a:schemeClr>
-              </a:solidFill>
-              <a:latin typeface="Impact" panose="020B0806030902050204" pitchFamily="34" charset="0"/>
-            </a:endParaRPr>
           </a:p>
           <a:p>
             <a:endParaRPr lang="pt-BR" sz="2400" dirty="0"/>
@@ -4585,15 +4758,6 @@
 </file>
 
 <file path=customXml/item1.xml><?xml version="1.0" encoding="utf-8"?>
-<?mso-contentType ?>
-<FormTemplates xmlns="http://schemas.microsoft.com/sharepoint/v3/contenttype/forms">
-  <Display>DocumentLibraryForm</Display>
-  <Edit>DocumentLibraryForm</Edit>
-  <New>DocumentLibraryForm</New>
-</FormTemplates>
-</file>
-
-<file path=customXml/item2.xml><?xml version="1.0" encoding="utf-8"?>
 <ct:contentTypeSchema xmlns:ct="http://schemas.microsoft.com/office/2006/metadata/contentType" xmlns:ma="http://schemas.microsoft.com/office/2006/metadata/properties/metaAttributes" ct:_="" ma:_="" ma:contentTypeName="Documento" ma:contentTypeID="0x0101003014CAD5C0D95047AD87A6CEF9A0ED6F" ma:contentTypeVersion="11" ma:contentTypeDescription="Crie um novo documento." ma:contentTypeScope="" ma:versionID="0eaeb304f0019e33f865282dd94b7faa">
   <xsd:schema xmlns:xsd="http://www.w3.org/2001/XMLSchema" xmlns:xs="http://www.w3.org/2001/XMLSchema" xmlns:p="http://schemas.microsoft.com/office/2006/metadata/properties" xmlns:ns2="230e2427-5d80-4bd2-a9ba-53805cfde8a4" xmlns:ns3="cf5f2b4c-ceff-48b8-acfd-b6c7cb4e26ae" targetNamespace="http://schemas.microsoft.com/office/2006/metadata/properties" ma:root="true" ma:fieldsID="9583cfaf6218e9ef312e531a09f9933a" ns2:_="" ns3:_="">
     <xsd:import namespace="230e2427-5d80-4bd2-a9ba-53805cfde8a4"/>
@@ -4804,6 +4968,15 @@
 </ct:contentTypeSchema>
 </file>
 
+<file path=customXml/item2.xml><?xml version="1.0" encoding="utf-8"?>
+<?mso-contentType ?>
+<FormTemplates xmlns="http://schemas.microsoft.com/sharepoint/v3/contenttype/forms">
+  <Display>DocumentLibraryForm</Display>
+  <Edit>DocumentLibraryForm</Edit>
+  <New>DocumentLibraryForm</New>
+</FormTemplates>
+</file>
+
 <file path=customXml/item3.xml><?xml version="1.0" encoding="utf-8"?>
 <p:properties xmlns:p="http://schemas.microsoft.com/office/2006/metadata/properties" xmlns:xsi="http://www.w3.org/2001/XMLSchema-instance" xmlns:pc="http://schemas.microsoft.com/office/infopath/2007/PartnerControls">
   <documentManagement>
@@ -4823,14 +4996,6 @@
 </file>
 
 <file path=customXml/itemProps1.xml><?xml version="1.0" encoding="utf-8"?>
-<ds:datastoreItem xmlns:ds="http://schemas.openxmlformats.org/officeDocument/2006/customXml" ds:itemID="{57A5EA9B-15BB-4CAA-98B9-C7F416F6E3B3}">
-  <ds:schemaRefs>
-    <ds:schemaRef ds:uri="http://schemas.microsoft.com/sharepoint/v3/contenttype/forms"/>
-  </ds:schemaRefs>
-</ds:datastoreItem>
-</file>
-
-<file path=customXml/itemProps2.xml><?xml version="1.0" encoding="utf-8"?>
 <ds:datastoreItem xmlns:ds="http://schemas.openxmlformats.org/officeDocument/2006/customXml" ds:itemID="{73CF8D65-9C36-4371-8D2C-2F46D400B6AD}">
   <ds:schemaRefs>
     <ds:schemaRef ds:uri="http://schemas.microsoft.com/office/2006/metadata/contentType"/>
@@ -4849,6 +5014,14 @@
 </ds:datastoreItem>
 </file>
 
+<file path=customXml/itemProps2.xml><?xml version="1.0" encoding="utf-8"?>
+<ds:datastoreItem xmlns:ds="http://schemas.openxmlformats.org/officeDocument/2006/customXml" ds:itemID="{57A5EA9B-15BB-4CAA-98B9-C7F416F6E3B3}">
+  <ds:schemaRefs>
+    <ds:schemaRef ds:uri="http://schemas.microsoft.com/sharepoint/v3/contenttype/forms"/>
+  </ds:schemaRefs>
+</ds:datastoreItem>
+</file>
+
 <file path=customXml/itemProps3.xml><?xml version="1.0" encoding="utf-8"?>
 <ds:datastoreItem xmlns:ds="http://schemas.openxmlformats.org/officeDocument/2006/customXml" ds:itemID="{A7FC28C7-707F-43CD-B131-6A1D51253A0A}">
   <ds:schemaRefs>
